--- a/pertemuan_1/Pertemuan_1.pptx
+++ b/pertemuan_1/Pertemuan_1.pptx
@@ -4448,7 +4448,7 @@
             </a:r>
             <a:r>
               <a:rPr lang="en-US">
-                <a:hlinkClick r:id="rId1" tooltip="" action="ppaction://hlinkfile"/>
+                <a:hlinkClick r:id="rId1" action="ppaction://hlinkfile"/>
               </a:rPr>
               <a:t>Github</a:t>
             </a:r>
@@ -4562,7 +4562,7 @@
             </a:r>
             <a:r>
               <a:rPr lang="en-US">
-                <a:hlinkClick r:id="rId3" tooltip="" action="ppaction://hlinkfile"/>
+                <a:hlinkClick r:id="rId3" action="ppaction://hlinkfile"/>
               </a:rPr>
               <a:t>WSGI</a:t>
             </a:r>
@@ -4599,7 +4599,7 @@
             </a:r>
             <a:r>
               <a:rPr lang="en-US">
-                <a:hlinkClick r:id="rId4" tooltip="" action="ppaction://hlinkfile"/>
+                <a:hlinkClick r:id="rId4" action="ppaction://hlinkfile"/>
               </a:rPr>
               <a:t>PEP 3333</a:t>
             </a:r>
@@ -4659,12 +4659,12 @@
           <a:p>
             <a:r>
               <a:rPr lang="en-US" sz="1400">
-                <a:hlinkClick r:id="rId6" tooltip=""/>
+                <a:hlinkClick r:id="rId6"/>
               </a:rPr>
               <a:t>Framework vs Library</a:t>
             </a:r>
             <a:endParaRPr lang="en-US" sz="1400">
-              <a:hlinkClick r:id="rId6" tooltip=""/>
+              <a:hlinkClick r:id="rId6"/>
             </a:endParaRPr>
           </a:p>
         </p:txBody>
@@ -5082,7 +5082,7 @@
             </a:r>
             <a:r>
               <a:rPr lang="en-US">
-                <a:hlinkClick r:id="rId5" tooltip="" action="ppaction://hlinkfile"/>
+                <a:hlinkClick r:id="rId5" action="ppaction://hlinkfile"/>
               </a:rPr>
               <a:t>XAMPP</a:t>
             </a:r>
@@ -5472,7 +5472,7 @@
           <a:p>
             <a:r>
               <a:rPr lang="en-US">
-                <a:hlinkClick r:id="rId1" tooltip="" action="ppaction://hlinkfile"/>
+                <a:hlinkClick r:id="rId1" action="ppaction://hlinkfile"/>
               </a:rPr>
               <a:t>https://flask.palletsprojects.com/en/2.0.x/</a:t>
             </a:r>
@@ -5552,7 +5552,7 @@
           <a:p>
             <a:r>
               <a:rPr lang="en-US">
-                <a:hlinkClick r:id="rId2" tooltip="" action="ppaction://hlinkfile"/>
+                <a:hlinkClick r:id="rId2" action="ppaction://hlinkfile"/>
               </a:rPr>
               <a:t>https://www.youtube.com/watch?v=MwZwr5Tvyxo&amp;list=PL-osiE80TeTs4UjLw5MM6OjgkjFeUxCYH</a:t>
             </a:r>
@@ -6142,7 +6142,7 @@
           <a:p>
             <a:r>
               <a:rPr lang="en-US" sz="1400">
-                <a:hlinkClick r:id="rId1" tooltip="" action="ppaction://hlinkfile"/>
+                <a:hlinkClick r:id="rId1" action="ppaction://hlinkfile"/>
               </a:rPr>
               <a:t>https://flask.palletsprojects.com/en/2.0.x/quickstart/#a-minimal-application</a:t>
             </a:r>
@@ -12416,7 +12416,7 @@
         </p:nvGrpSpPr>
         <p:grpSpPr>
           <a:xfrm>
-            <a:off x="1621155" y="1400810"/>
+            <a:off x="1621155" y="1388745"/>
             <a:ext cx="9197340" cy="5365115"/>
             <a:chOff x="689" y="1842"/>
             <a:chExt cx="14484" cy="8449"/>
@@ -12602,14 +12602,14 @@
           </p:nvCxnSpPr>
           <p:spPr>
             <a:xfrm flipH="1">
-              <a:off x="689" y="3595"/>
-              <a:ext cx="5281" cy="3765"/>
+              <a:off x="689" y="4594"/>
+              <a:ext cx="5560" cy="2766"/>
             </a:xfrm>
             <a:prstGeom prst="bentConnector5">
               <a:avLst>
-                <a:gd name="adj1" fmla="val -36299"/>
-                <a:gd name="adj2" fmla="val 60212"/>
-                <a:gd name="adj3" fmla="val 107101"/>
+                <a:gd name="adj1" fmla="val -29568"/>
+                <a:gd name="adj2" fmla="val 50000"/>
+                <a:gd name="adj3" fmla="val 106745"/>
               </a:avLst>
             </a:prstGeom>
             <a:ln w="28575">
@@ -12643,7 +12643,7 @@
           </p:nvSpPr>
           <p:spPr>
             <a:xfrm>
-              <a:off x="5691" y="3434"/>
+              <a:off x="5970" y="4433"/>
               <a:ext cx="279" cy="321"/>
             </a:xfrm>
             <a:prstGeom prst="rect">
@@ -12750,12 +12750,12 @@
           </p:nvCxnSpPr>
           <p:spPr>
             <a:xfrm>
-              <a:off x="5970" y="3595"/>
-              <a:ext cx="2310" cy="3815"/>
+              <a:off x="6249" y="4594"/>
+              <a:ext cx="2031" cy="2816"/>
             </a:xfrm>
             <a:prstGeom prst="bentConnector3">
               <a:avLst>
-                <a:gd name="adj1" fmla="val 82467"/>
+                <a:gd name="adj1" fmla="val 82225"/>
               </a:avLst>
             </a:prstGeom>
             <a:ln w="28575">
@@ -13396,7 +13396,7 @@
                 <a:solidFill>
                   <a:schemeClr val="tx1"/>
                 </a:solidFill>
-                <a:hlinkClick r:id="rId1" tooltip="" action="ppaction://hlinkfile"/>
+                <a:hlinkClick r:id="rId1" action="ppaction://hlinkfile"/>
               </a:rPr>
               <a:t>https://getbootstrap.com/docs/4.3/getting-started/introduction/</a:t>
             </a:r>
@@ -13432,7 +13432,7 @@
                 <a:solidFill>
                   <a:schemeClr val="tx1"/>
                 </a:solidFill>
-                <a:hlinkClick r:id="rId2" tooltip="" action="ppaction://hlinkfile"/>
+                <a:hlinkClick r:id="rId2" action="ppaction://hlinkfile"/>
               </a:rPr>
               <a:t>https://api.jquery.com/category/version/3.5/</a:t>
             </a:r>
@@ -13691,12 +13691,12 @@
           <a:p>
             <a:r>
               <a:rPr lang="en-US" sz="1600">
-                <a:hlinkClick r:id="rId4" tooltip="" action="ppaction://hlinkfile"/>
+                <a:hlinkClick r:id="rId4" action="ppaction://hlinkfile"/>
               </a:rPr>
               <a:t>https://www.anaconda.com/products/individual</a:t>
             </a:r>
             <a:endParaRPr lang="en-US" sz="1600">
-              <a:hlinkClick r:id="rId4" tooltip="" action="ppaction://hlinkfile"/>
+              <a:hlinkClick r:id="rId4" action="ppaction://hlinkfile"/>
             </a:endParaRPr>
           </a:p>
         </p:txBody>
@@ -14009,7 +14009,7 @@
           <a:p>
             <a:r>
               <a:rPr lang="en-US">
-                <a:hlinkClick r:id="rId2" tooltip="" action="ppaction://hlinkfile"/>
+                <a:hlinkClick r:id="rId2" action="ppaction://hlinkfile"/>
               </a:rPr>
               <a:t>https://getbootstrap.com/docs/4.3/components/navbar/</a:t>
             </a:r>
@@ -14428,7 +14428,7 @@
           <a:p>
             <a:r>
               <a:rPr lang="en-US">
-                <a:hlinkClick r:id="rId1" tooltip="" action="ppaction://hlinkfile"/>
+                <a:hlinkClick r:id="rId1" action="ppaction://hlinkfile"/>
               </a:rPr>
               <a:t>https://getbootstrap.com/docs/4.3/utilities/colors/#background-color</a:t>
             </a:r>
@@ -14459,7 +14459,7 @@
           <a:p>
             <a:r>
               <a:rPr lang="en-US">
-                <a:hlinkClick r:id="rId2" tooltip="" action="ppaction://hlinkfile"/>
+                <a:hlinkClick r:id="rId2" action="ppaction://hlinkfile"/>
               </a:rPr>
               <a:t>https://getbootstrap.com/docs/4.3/utilities/spacing/</a:t>
             </a:r>
@@ -14490,7 +14490,7 @@
           <a:p>
             <a:r>
               <a:rPr lang="en-US">
-                <a:hlinkClick r:id="rId3" tooltip="" action="ppaction://hlinkfile"/>
+                <a:hlinkClick r:id="rId3" action="ppaction://hlinkfile"/>
               </a:rPr>
               <a:t>https://www.w3schools.com/icons/fontawesome_icons_webapp.asp</a:t>
             </a:r>
